--- a/resources/hsj-sep-2018-invite.pptx
+++ b/resources/hsj-sep-2018-invite.pptx
@@ -288,7 +288,7 @@
           <a:p>
             <a:fld id="{5CDCD907-FF1F-3B48-A38F-9C5C12013F58}" type="datetimeFigureOut">
               <a:rPr lang="en-US" smtClean="0"/>
-              <a:t>9/1/18</a:t>
+              <a:t>9/5/18</a:t>
             </a:fld>
             <a:endParaRPr lang="en-US"/>
           </a:p>
@@ -458,7 +458,7 @@
           <a:p>
             <a:fld id="{5CDCD907-FF1F-3B48-A38F-9C5C12013F58}" type="datetimeFigureOut">
               <a:rPr lang="en-US" smtClean="0"/>
-              <a:t>9/1/18</a:t>
+              <a:t>9/5/18</a:t>
             </a:fld>
             <a:endParaRPr lang="en-US"/>
           </a:p>
@@ -638,7 +638,7 @@
           <a:p>
             <a:fld id="{5CDCD907-FF1F-3B48-A38F-9C5C12013F58}" type="datetimeFigureOut">
               <a:rPr lang="en-US" smtClean="0"/>
-              <a:t>9/1/18</a:t>
+              <a:t>9/5/18</a:t>
             </a:fld>
             <a:endParaRPr lang="en-US"/>
           </a:p>
@@ -808,7 +808,7 @@
           <a:p>
             <a:fld id="{5CDCD907-FF1F-3B48-A38F-9C5C12013F58}" type="datetimeFigureOut">
               <a:rPr lang="en-US" smtClean="0"/>
-              <a:t>9/1/18</a:t>
+              <a:t>9/5/18</a:t>
             </a:fld>
             <a:endParaRPr lang="en-US"/>
           </a:p>
@@ -1054,7 +1054,7 @@
           <a:p>
             <a:fld id="{5CDCD907-FF1F-3B48-A38F-9C5C12013F58}" type="datetimeFigureOut">
               <a:rPr lang="en-US" smtClean="0"/>
-              <a:t>9/1/18</a:t>
+              <a:t>9/5/18</a:t>
             </a:fld>
             <a:endParaRPr lang="en-US"/>
           </a:p>
@@ -1342,7 +1342,7 @@
           <a:p>
             <a:fld id="{5CDCD907-FF1F-3B48-A38F-9C5C12013F58}" type="datetimeFigureOut">
               <a:rPr lang="en-US" smtClean="0"/>
-              <a:t>9/1/18</a:t>
+              <a:t>9/5/18</a:t>
             </a:fld>
             <a:endParaRPr lang="en-US"/>
           </a:p>
@@ -1764,7 +1764,7 @@
           <a:p>
             <a:fld id="{5CDCD907-FF1F-3B48-A38F-9C5C12013F58}" type="datetimeFigureOut">
               <a:rPr lang="en-US" smtClean="0"/>
-              <a:t>9/1/18</a:t>
+              <a:t>9/5/18</a:t>
             </a:fld>
             <a:endParaRPr lang="en-US"/>
           </a:p>
@@ -1882,7 +1882,7 @@
           <a:p>
             <a:fld id="{5CDCD907-FF1F-3B48-A38F-9C5C12013F58}" type="datetimeFigureOut">
               <a:rPr lang="en-US" smtClean="0"/>
-              <a:t>9/1/18</a:t>
+              <a:t>9/5/18</a:t>
             </a:fld>
             <a:endParaRPr lang="en-US"/>
           </a:p>
@@ -1977,7 +1977,7 @@
           <a:p>
             <a:fld id="{5CDCD907-FF1F-3B48-A38F-9C5C12013F58}" type="datetimeFigureOut">
               <a:rPr lang="en-US" smtClean="0"/>
-              <a:t>9/1/18</a:t>
+              <a:t>9/5/18</a:t>
             </a:fld>
             <a:endParaRPr lang="en-US"/>
           </a:p>
@@ -2254,7 +2254,7 @@
           <a:p>
             <a:fld id="{5CDCD907-FF1F-3B48-A38F-9C5C12013F58}" type="datetimeFigureOut">
               <a:rPr lang="en-US" smtClean="0"/>
-              <a:t>9/1/18</a:t>
+              <a:t>9/5/18</a:t>
             </a:fld>
             <a:endParaRPr lang="en-US"/>
           </a:p>
@@ -2507,7 +2507,7 @@
           <a:p>
             <a:fld id="{5CDCD907-FF1F-3B48-A38F-9C5C12013F58}" type="datetimeFigureOut">
               <a:rPr lang="en-US" smtClean="0"/>
-              <a:t>9/1/18</a:t>
+              <a:t>9/5/18</a:t>
             </a:fld>
             <a:endParaRPr lang="en-US"/>
           </a:p>
@@ -2720,7 +2720,7 @@
           <a:p>
             <a:fld id="{5CDCD907-FF1F-3B48-A38F-9C5C12013F58}" type="datetimeFigureOut">
               <a:rPr lang="en-US" smtClean="0"/>
-              <a:t>9/1/18</a:t>
+              <a:t>9/5/18</a:t>
             </a:fld>
             <a:endParaRPr lang="en-US"/>
           </a:p>
@@ -3242,7 +3242,7 @@
         </p:nvSpPr>
         <p:spPr>
           <a:xfrm>
-            <a:off x="1051755" y="2071341"/>
+            <a:off x="1051755" y="1946001"/>
             <a:ext cx="3608680" cy="1077218"/>
           </a:xfrm>
           <a:prstGeom prst="rect">
@@ -3287,7 +3287,7 @@
         </p:nvSpPr>
         <p:spPr>
           <a:xfrm>
-            <a:off x="108621" y="3267324"/>
+            <a:off x="108621" y="3128689"/>
             <a:ext cx="4673074" cy="1077218"/>
           </a:xfrm>
           <a:prstGeom prst="rect">
@@ -3336,8 +3336,8 @@
         </p:nvSpPr>
         <p:spPr>
           <a:xfrm>
-            <a:off x="108621" y="4826729"/>
-            <a:ext cx="3467616" cy="830997"/>
+            <a:off x="1006302" y="4344542"/>
+            <a:ext cx="3954929" cy="1200328"/>
           </a:xfrm>
           <a:prstGeom prst="rect">
             <a:avLst/>
@@ -3355,16 +3355,36 @@
                 <a:latin typeface="Bradley Hand Bold"/>
                 <a:cs typeface="Bradley Hand Bold"/>
               </a:rPr>
-              <a:t>RSVP:  Philip &amp;  Joanne</a:t>
-            </a:r>
-          </a:p>
-          <a:p>
+              <a:t>RSVP:  </a:t>
+            </a:r>
             <a:r>
               <a:rPr lang="en-US" sz="2400" b="1" dirty="0" smtClean="0">
                 <a:latin typeface="Bradley Hand Bold"/>
                 <a:cs typeface="Bradley Hand Bold"/>
               </a:rPr>
-              <a:t>Text 808-387-6663</a:t>
+              <a:t>Joanne</a:t>
+            </a:r>
+            <a:endParaRPr lang="en-US" sz="2400" b="1" dirty="0" smtClean="0">
+              <a:latin typeface="Bradley Hand Bold"/>
+              <a:cs typeface="Bradley Hand Bold"/>
+            </a:endParaRPr>
+          </a:p>
+          <a:p>
+            <a:r>
+              <a:rPr lang="en-US" sz="2400" b="1" dirty="0" smtClean="0">
+                <a:latin typeface="Bradley Hand Bold"/>
+                <a:cs typeface="Bradley Hand Bold"/>
+              </a:rPr>
+              <a:t>808-255-9683</a:t>
+            </a:r>
+          </a:p>
+          <a:p>
+            <a:r>
+              <a:rPr lang="en-US" sz="2400" b="1" dirty="0" smtClean="0">
+                <a:latin typeface="Bradley Hand Bold"/>
+                <a:cs typeface="Bradley Hand Bold"/>
+              </a:rPr>
+              <a:t>Joanne.amberg@gmail.com</a:t>
             </a:r>
             <a:endParaRPr lang="en-US" sz="2400" b="1" dirty="0">
               <a:latin typeface="Bradley Hand Bold"/>

--- a/resources/hsj-sep-2018-invite.pptx
+++ b/resources/hsj-sep-2018-invite.pptx
@@ -3288,7 +3288,7 @@
         <p:spPr>
           <a:xfrm>
             <a:off x="108621" y="3128689"/>
-            <a:ext cx="4673074" cy="1077218"/>
+            <a:ext cx="4765121" cy="1077218"/>
           </a:xfrm>
           <a:prstGeom prst="rect">
             <a:avLst/>
@@ -3302,11 +3302,32 @@
           <a:lstStyle/>
           <a:p>
             <a:r>
+              <a:rPr lang="en-US" sz="3200" b="1" dirty="0">
+                <a:latin typeface="Bradley Hand Bold"/>
+                <a:cs typeface="Bradley Hand Bold"/>
+              </a:rPr>
+              <a:t>6</a:t>
+            </a:r>
+            <a:r>
               <a:rPr lang="en-US" sz="3200" b="1" dirty="0" smtClean="0">
                 <a:latin typeface="Bradley Hand Bold"/>
                 <a:cs typeface="Bradley Hand Bold"/>
               </a:rPr>
-              <a:t>5pm: Potluck and BYOB</a:t>
+              <a:t>pm</a:t>
+            </a:r>
+            <a:r>
+              <a:rPr lang="en-US" sz="3200" b="1" dirty="0" smtClean="0">
+                <a:latin typeface="Bradley Hand Bold"/>
+                <a:cs typeface="Bradley Hand Bold"/>
+              </a:rPr>
+              <a:t>: </a:t>
+            </a:r>
+            <a:r>
+              <a:rPr lang="en-US" sz="3200" b="1" dirty="0" smtClean="0">
+                <a:latin typeface="Bradley Hand Bold"/>
+                <a:cs typeface="Bradley Hand Bold"/>
+              </a:rPr>
+              <a:t>Potluck, BYOB,</a:t>
             </a:r>
             <a:br>
               <a:rPr lang="en-US" sz="3200" b="1" dirty="0" smtClean="0">
@@ -3319,7 +3340,14 @@
                 <a:latin typeface="Bradley Hand Bold"/>
                 <a:cs typeface="Bradley Hand Bold"/>
               </a:rPr>
-              <a:t>6pm: Music starts</a:t>
+              <a:t>          </a:t>
+            </a:r>
+            <a:r>
+              <a:rPr lang="en-US" sz="3200" b="1" dirty="0" smtClean="0">
+                <a:latin typeface="Bradley Hand Bold"/>
+                <a:cs typeface="Bradley Hand Bold"/>
+              </a:rPr>
+              <a:t>Music, Dance Party</a:t>
             </a:r>
             <a:endParaRPr lang="en-US" sz="3200" b="1" dirty="0">
               <a:latin typeface="Bradley Hand Bold"/>
@@ -3336,7 +3364,7 @@
         </p:nvSpPr>
         <p:spPr>
           <a:xfrm>
-            <a:off x="1006302" y="4344542"/>
+            <a:off x="293830" y="4438012"/>
             <a:ext cx="3954929" cy="1200328"/>
           </a:xfrm>
           <a:prstGeom prst="rect">
@@ -3356,6 +3384,20 @@
                 <a:cs typeface="Bradley Hand Bold"/>
               </a:rPr>
               <a:t>RSVP:  </a:t>
+            </a:r>
+            <a:r>
+              <a:rPr lang="en-US" sz="2400" b="1" dirty="0" smtClean="0">
+                <a:latin typeface="Bradley Hand Bold"/>
+                <a:cs typeface="Bradley Hand Bold"/>
+              </a:rPr>
+              <a:t>tex</a:t>
+            </a:r>
+            <a:r>
+              <a:rPr lang="en-US" sz="2400" b="1" dirty="0" smtClean="0">
+                <a:latin typeface="Bradley Hand Bold"/>
+                <a:cs typeface="Bradley Hand Bold"/>
+              </a:rPr>
+              <a:t>t/call  </a:t>
             </a:r>
             <a:r>
               <a:rPr lang="en-US" sz="2400" b="1" dirty="0" smtClean="0">
